--- a/IntroToQGIS/maptimeDavis_F2017_Week1.pptx
+++ b/IntroToQGIS/maptimeDavis_F2017_Week1.pptx
@@ -14,11 +14,12 @@
     <p:sldId id="258" r:id="rId8"/>
     <p:sldId id="259" r:id="rId9"/>
     <p:sldId id="269" r:id="rId10"/>
-    <p:sldId id="262" r:id="rId11"/>
-    <p:sldId id="263" r:id="rId12"/>
-    <p:sldId id="266" r:id="rId13"/>
-    <p:sldId id="265" r:id="rId14"/>
-    <p:sldId id="267" r:id="rId15"/>
+    <p:sldId id="270" r:id="rId11"/>
+    <p:sldId id="262" r:id="rId12"/>
+    <p:sldId id="263" r:id="rId13"/>
+    <p:sldId id="266" r:id="rId14"/>
+    <p:sldId id="265" r:id="rId15"/>
+    <p:sldId id="267" r:id="rId16"/>
   </p:sldIdLst>
   <p:sldSz cx="12192000" cy="6858000"/>
   <p:notesSz cx="6858000" cy="9144000"/>
@@ -220,7 +221,7 @@
           <a:effectLst/>
           <a:extLst>
             <a:ext uri="{91240B29-F687-4f45-9708-019B960494DF}">
-              <a14:hiddenLine xmlns="" xmlns:a14="http://schemas.microsoft.com/office/drawing/2010/main" w="9525">
+              <a14:hiddenLine xmlns:a14="http://schemas.microsoft.com/office/drawing/2010/main" xmlns="" w="9525">
                 <a:solidFill>
                   <a:srgbClr val="000000"/>
                 </a:solidFill>
@@ -1820,7 +1821,7 @@
           <a:ln/>
           <a:extLst>
             <a:ext uri="{91240B29-F687-4f45-9708-019B960494DF}">
-              <a14:hiddenLine xmlns="" xmlns:a14="http://schemas.microsoft.com/office/drawing/2010/main" w="9525">
+              <a14:hiddenLine xmlns:a14="http://schemas.microsoft.com/office/drawing/2010/main" xmlns="" w="9525">
                 <a:solidFill>
                   <a:srgbClr val="000000"/>
                 </a:solidFill>
@@ -2142,7 +2143,7 @@
           <a:ln/>
           <a:extLst>
             <a:ext uri="{91240B29-F687-4f45-9708-019B960494DF}">
-              <a14:hiddenLine xmlns="" xmlns:a14="http://schemas.microsoft.com/office/drawing/2010/main" w="9525">
+              <a14:hiddenLine xmlns:a14="http://schemas.microsoft.com/office/drawing/2010/main" xmlns="" w="9525">
                 <a:solidFill>
                   <a:srgbClr val="000000"/>
                 </a:solidFill>
@@ -2472,7 +2473,7 @@
           <a:ln/>
           <a:extLst>
             <a:ext uri="{91240B29-F687-4f45-9708-019B960494DF}">
-              <a14:hiddenLine xmlns="" xmlns:a14="http://schemas.microsoft.com/office/drawing/2010/main" w="9525">
+              <a14:hiddenLine xmlns:a14="http://schemas.microsoft.com/office/drawing/2010/main" xmlns="" w="9525">
                 <a:solidFill>
                   <a:srgbClr val="000000"/>
                 </a:solidFill>
@@ -3163,7 +3164,7 @@
           <a:ln/>
           <a:extLst>
             <a:ext uri="{91240B29-F687-4f45-9708-019B960494DF}">
-              <a14:hiddenLine xmlns="" xmlns:a14="http://schemas.microsoft.com/office/drawing/2010/main" w="9525">
+              <a14:hiddenLine xmlns:a14="http://schemas.microsoft.com/office/drawing/2010/main" xmlns="" w="9525">
                 <a:solidFill>
                   <a:srgbClr val="000000"/>
                 </a:solidFill>
@@ -3575,7 +3576,7 @@
           <a:ln/>
           <a:extLst>
             <a:ext uri="{91240B29-F687-4f45-9708-019B960494DF}">
-              <a14:hiddenLine xmlns="" xmlns:a14="http://schemas.microsoft.com/office/drawing/2010/main" w="9525">
+              <a14:hiddenLine xmlns:a14="http://schemas.microsoft.com/office/drawing/2010/main" xmlns="" w="9525">
                 <a:solidFill>
                   <a:srgbClr val="000000"/>
                 </a:solidFill>
@@ -4125,7 +4126,7 @@
           <a:ln/>
           <a:extLst>
             <a:ext uri="{91240B29-F687-4f45-9708-019B960494DF}">
-              <a14:hiddenLine xmlns="" xmlns:a14="http://schemas.microsoft.com/office/drawing/2010/main" w="9525">
+              <a14:hiddenLine xmlns:a14="http://schemas.microsoft.com/office/drawing/2010/main" xmlns="" w="9525">
                 <a:solidFill>
                   <a:srgbClr val="000000"/>
                 </a:solidFill>
@@ -4590,7 +4591,7 @@
           <a:ln/>
           <a:extLst>
             <a:ext uri="{91240B29-F687-4f45-9708-019B960494DF}">
-              <a14:hiddenLine xmlns="" xmlns:a14="http://schemas.microsoft.com/office/drawing/2010/main" w="9525">
+              <a14:hiddenLine xmlns:a14="http://schemas.microsoft.com/office/drawing/2010/main" xmlns="" w="9525">
                 <a:solidFill>
                   <a:srgbClr val="000000"/>
                 </a:solidFill>
@@ -5983,7 +5984,7 @@
       </p:grpSpPr>
       <p:sp>
         <p:nvSpPr>
-          <p:cNvPr id="2" name="Title 1"/>
+          <p:cNvPr id="10" name="Title 9"/>
           <p:cNvSpPr>
             <a:spLocks noGrp="1"/>
           </p:cNvSpPr>
@@ -5998,15 +5999,15 @@
           <a:p>
             <a:r>
               <a:rPr lang="en-US" dirty="0" smtClean="0"/>
-              <a:t>What’s today’s topic?</a:t>
-            </a:r>
-            <a:endParaRPr lang="en-US" dirty="0"/>
-          </a:p>
-        </p:txBody>
-      </p:sp>
-      <p:sp>
-        <p:nvSpPr>
-          <p:cNvPr id="3" name="Content Placeholder 2"/>
+              <a:t>Center for Spatial Sciences</a:t>
+            </a:r>
+            <a:endParaRPr lang="en-US" dirty="0"/>
+          </a:p>
+        </p:txBody>
+      </p:sp>
+      <p:sp>
+        <p:nvSpPr>
+          <p:cNvPr id="11" name="Content Placeholder 10"/>
           <p:cNvSpPr>
             <a:spLocks noGrp="1"/>
           </p:cNvSpPr>
@@ -6014,10 +6015,15 @@
             <p:ph idx="1"/>
           </p:nvPr>
         </p:nvSpPr>
-        <p:spPr/>
+        <p:spPr>
+          <a:xfrm>
+            <a:off x="818712" y="2222287"/>
+            <a:ext cx="10554574" cy="4444327"/>
+          </a:xfrm>
+        </p:spPr>
         <p:txBody>
           <a:bodyPr>
-            <a:normAutofit/>
+            <a:normAutofit lnSpcReduction="10000"/>
           </a:bodyPr>
           <a:lstStyle/>
           <a:p>
@@ -6025,30 +6031,110 @@
               <a:buNone/>
             </a:pPr>
             <a:r>
-              <a:rPr lang="en-US" sz="11500" dirty="0" smtClean="0"/>
-              <a:t>Intro to QGIS</a:t>
-            </a:r>
-            <a:endParaRPr lang="en-US" sz="11500" dirty="0"/>
+              <a:rPr lang="en-US" sz="2400" dirty="0" smtClean="0"/>
+              <a:t>Community Coordination</a:t>
+            </a:r>
+          </a:p>
+          <a:p>
+            <a:pPr>
+              <a:buFont typeface="Arial" panose="020B0604020202020204" pitchFamily="34" charset="0"/>
+              <a:buChar char="•"/>
+            </a:pPr>
+            <a:r>
+              <a:rPr lang="en-US" sz="2400" dirty="0" smtClean="0"/>
+              <a:t>Events</a:t>
+            </a:r>
+          </a:p>
+          <a:p>
+            <a:pPr>
+              <a:buFont typeface="Arial" panose="020B0604020202020204" pitchFamily="34" charset="0"/>
+              <a:buChar char="•"/>
+            </a:pPr>
+            <a:r>
+              <a:rPr lang="en-US" sz="2400" dirty="0" smtClean="0"/>
+              <a:t>Classes</a:t>
+            </a:r>
+          </a:p>
+          <a:p>
+            <a:pPr>
+              <a:buFont typeface="Arial" panose="020B0604020202020204" pitchFamily="34" charset="0"/>
+              <a:buChar char="•"/>
+            </a:pPr>
+            <a:r>
+              <a:rPr lang="en-US" sz="2400" dirty="0" smtClean="0"/>
+              <a:t>Data</a:t>
+            </a:r>
+          </a:p>
+          <a:p>
+            <a:pPr>
+              <a:buFont typeface="Arial" panose="020B0604020202020204" pitchFamily="34" charset="0"/>
+              <a:buChar char="•"/>
+            </a:pPr>
+            <a:r>
+              <a:rPr lang="en-US" sz="2400" dirty="0" smtClean="0"/>
+              <a:t>Drones</a:t>
+            </a:r>
+          </a:p>
+          <a:p>
+            <a:pPr>
+              <a:buFont typeface="Arial" panose="020B0604020202020204" pitchFamily="34" charset="0"/>
+              <a:buChar char="•"/>
+            </a:pPr>
+            <a:r>
+              <a:rPr lang="en-US" sz="2400" dirty="0" smtClean="0"/>
+              <a:t>Computing </a:t>
+            </a:r>
+          </a:p>
+          <a:p>
+            <a:pPr>
+              <a:buFont typeface="Arial" panose="020B0604020202020204" pitchFamily="34" charset="0"/>
+              <a:buChar char="•"/>
+            </a:pPr>
+            <a:r>
+              <a:rPr lang="en-US" sz="2400" dirty="0" smtClean="0"/>
+              <a:t>Communication </a:t>
+            </a:r>
+          </a:p>
+          <a:p>
+            <a:pPr marL="0" indent="0">
+              <a:buNone/>
+            </a:pPr>
+            <a:r>
+              <a:rPr lang="en-US" sz="2400" dirty="0" smtClean="0"/>
+              <a:t>Encouraging Membership for Research Groups &amp; Labs</a:t>
+            </a:r>
+          </a:p>
+          <a:p>
+            <a:pPr marL="0" indent="0">
+              <a:buNone/>
+            </a:pPr>
+            <a:r>
+              <a:rPr lang="en-US" sz="1700" dirty="0" smtClean="0"/>
+              <a:t>Website: </a:t>
+            </a:r>
+            <a:r>
+              <a:rPr lang="en-US" sz="1700" dirty="0">
+                <a:hlinkClick r:id="rId2"/>
+              </a:rPr>
+              <a:t>https://spatial.ucdavis.edu</a:t>
+            </a:r>
+            <a:r>
+              <a:rPr lang="en-US" sz="1700" dirty="0"/>
+              <a:t> </a:t>
+            </a:r>
           </a:p>
         </p:txBody>
       </p:sp>
     </p:spTree>
     <p:extLst>
       <p:ext uri="{BB962C8B-B14F-4D97-AF65-F5344CB8AC3E}">
-        <p14:creationId xmlns:p14="http://schemas.microsoft.com/office/powerpoint/2010/main" val="3019326741"/>
+        <p14:creationId xmlns:p14="http://schemas.microsoft.com/office/powerpoint/2010/main" val="3119110682"/>
       </p:ext>
     </p:extLst>
   </p:cSld>
   <p:clrMapOvr>
     <a:masterClrMapping/>
   </p:clrMapOvr>
-  <p:timing>
-    <p:tnLst>
-      <p:par>
-        <p:cTn id="1" dur="indefinite" restart="never" nodeType="tmRoot"/>
-      </p:par>
-    </p:tnLst>
-  </p:timing>
 </p:sld>
 </file>
 
@@ -6086,7 +6172,7 @@
           <a:p>
             <a:r>
               <a:rPr lang="en-US" dirty="0" smtClean="0"/>
-              <a:t>What’s Coming Up?</a:t>
+              <a:t>What’s today’s topic?</a:t>
             </a:r>
             <a:endParaRPr lang="en-US" dirty="0"/>
           </a:p>
@@ -6113,44 +6199,17 @@
               <a:buNone/>
             </a:pPr>
             <a:r>
-              <a:rPr lang="en-US" sz="3200" dirty="0" smtClean="0"/>
-              <a:t>10/2     Custom Cartographic Symbols</a:t>
-            </a:r>
-          </a:p>
-          <a:p>
-            <a:pPr marL="0" indent="0">
-              <a:buNone/>
-            </a:pPr>
-            <a:r>
-              <a:rPr lang="en-US" sz="3200" dirty="0" smtClean="0"/>
-              <a:t>10/9     Google Earth Engine</a:t>
-            </a:r>
-          </a:p>
-          <a:p>
-            <a:pPr marL="0" indent="0">
-              <a:buNone/>
-            </a:pPr>
-            <a:r>
-              <a:rPr lang="en-US" sz="3200" dirty="0" smtClean="0"/>
-              <a:t>10/16   Intro to Spatial Data with Rspatial.org</a:t>
-            </a:r>
-          </a:p>
-          <a:p>
-            <a:pPr marL="0" indent="0">
-              <a:buNone/>
-            </a:pPr>
-            <a:r>
-              <a:rPr lang="en-US" sz="3200" dirty="0" smtClean="0"/>
-              <a:t>10/23   UAV/Drone Show &amp; Tell</a:t>
-            </a:r>
-            <a:endParaRPr lang="en-US" sz="3200" dirty="0"/>
+              <a:rPr lang="en-US" sz="11500" dirty="0" smtClean="0"/>
+              <a:t>Intro to QGIS</a:t>
+            </a:r>
+            <a:endParaRPr lang="en-US" sz="11500" dirty="0"/>
           </a:p>
         </p:txBody>
       </p:sp>
     </p:spTree>
     <p:extLst>
       <p:ext uri="{BB962C8B-B14F-4D97-AF65-F5344CB8AC3E}">
-        <p14:creationId xmlns:p14="http://schemas.microsoft.com/office/powerpoint/2010/main" val="267745598"/>
+        <p14:creationId xmlns:p14="http://schemas.microsoft.com/office/powerpoint/2010/main" val="3019326741"/>
       </p:ext>
     </p:extLst>
   </p:cSld>
@@ -6201,7 +6260,7 @@
           <a:p>
             <a:r>
               <a:rPr lang="en-US" dirty="0" smtClean="0"/>
-              <a:t>Job Opportunities</a:t>
+              <a:t>What’s Coming Up?</a:t>
             </a:r>
             <a:endParaRPr lang="en-US" dirty="0"/>
           </a:p>
@@ -6228,8 +6287,8 @@
               <a:buNone/>
             </a:pPr>
             <a:r>
-              <a:rPr lang="en-US" sz="2800" dirty="0" smtClean="0"/>
-              <a:t>Undergraduate Position with DMP digitizing American Viticulture Areas boundaries in QGIS</a:t>
+              <a:rPr lang="en-US" sz="3200" dirty="0" smtClean="0"/>
+              <a:t>10/2     Custom Cartographic Symbols</a:t>
             </a:r>
           </a:p>
           <a:p>
@@ -6237,39 +6296,43 @@
               <a:buNone/>
             </a:pPr>
             <a:r>
-              <a:rPr lang="en-US" sz="2800" dirty="0" smtClean="0"/>
-              <a:t>Project: </a:t>
-            </a:r>
-            <a:r>
-              <a:rPr lang="en-US" sz="2800" dirty="0">
-                <a:hlinkClick r:id="rId2"/>
-              </a:rPr>
-              <a:t>https://</a:t>
-            </a:r>
-            <a:r>
-              <a:rPr lang="en-US" sz="2800" dirty="0" smtClean="0">
-                <a:hlinkClick r:id="rId2"/>
-              </a:rPr>
-              <a:t>github.com/UCDavisLibrary/ava</a:t>
-            </a:r>
-            <a:endParaRPr lang="en-US" sz="2800" dirty="0" smtClean="0"/>
+              <a:rPr lang="en-US" sz="3200" dirty="0" smtClean="0"/>
+              <a:t>10/9     Google Earth Engine</a:t>
+            </a:r>
           </a:p>
           <a:p>
             <a:pPr marL="0" indent="0">
               <a:buNone/>
             </a:pPr>
             <a:r>
-              <a:rPr lang="en-US" sz="2800" dirty="0" smtClean="0"/>
-              <a:t>See Michele for details</a:t>
-            </a:r>
-            <a:endParaRPr lang="en-US" sz="2800" dirty="0"/>
+              <a:rPr lang="en-US" sz="3200" dirty="0" smtClean="0"/>
+              <a:t>10/16   </a:t>
+            </a:r>
+            <a:r>
+              <a:rPr lang="en-US" sz="3200" dirty="0" smtClean="0"/>
+              <a:t> Intro </a:t>
+            </a:r>
+            <a:r>
+              <a:rPr lang="en-US" sz="3200" dirty="0" smtClean="0"/>
+              <a:t>to Spatial Data with Rspatial.org</a:t>
+            </a:r>
+          </a:p>
+          <a:p>
+            <a:pPr marL="0" indent="0">
+              <a:buNone/>
+            </a:pPr>
+            <a:r>
+              <a:rPr lang="en-US" sz="3200" dirty="0" smtClean="0"/>
+              <a:t>10/23   UAV/Drone Show &amp; Tell</a:t>
+            </a:r>
+            <a:endParaRPr lang="en-US" sz="3200" dirty="0"/>
           </a:p>
         </p:txBody>
       </p:sp>
     </p:spTree>
     <p:extLst>
       <p:ext uri="{BB962C8B-B14F-4D97-AF65-F5344CB8AC3E}">
-        <p14:creationId xmlns:p14="http://schemas.microsoft.com/office/powerpoint/2010/main" val="1234188859"/>
+        <p14:creationId xmlns:p14="http://schemas.microsoft.com/office/powerpoint/2010/main" val="267745598"/>
       </p:ext>
     </p:extLst>
   </p:cSld>
@@ -6305,6 +6368,125 @@
       </p:grpSpPr>
       <p:sp>
         <p:nvSpPr>
+          <p:cNvPr id="2" name="Title 1"/>
+          <p:cNvSpPr>
+            <a:spLocks noGrp="1"/>
+          </p:cNvSpPr>
+          <p:nvPr>
+            <p:ph type="title"/>
+          </p:nvPr>
+        </p:nvSpPr>
+        <p:spPr/>
+        <p:txBody>
+          <a:bodyPr/>
+          <a:lstStyle/>
+          <a:p>
+            <a:r>
+              <a:rPr lang="en-US" dirty="0" smtClean="0"/>
+              <a:t>Job Opportunities</a:t>
+            </a:r>
+            <a:endParaRPr lang="en-US" dirty="0"/>
+          </a:p>
+        </p:txBody>
+      </p:sp>
+      <p:sp>
+        <p:nvSpPr>
+          <p:cNvPr id="3" name="Content Placeholder 2"/>
+          <p:cNvSpPr>
+            <a:spLocks noGrp="1"/>
+          </p:cNvSpPr>
+          <p:nvPr>
+            <p:ph idx="1"/>
+          </p:nvPr>
+        </p:nvSpPr>
+        <p:spPr/>
+        <p:txBody>
+          <a:bodyPr>
+            <a:normAutofit/>
+          </a:bodyPr>
+          <a:lstStyle/>
+          <a:p>
+            <a:pPr marL="0" indent="0">
+              <a:buNone/>
+            </a:pPr>
+            <a:r>
+              <a:rPr lang="en-US" sz="2800" dirty="0" smtClean="0"/>
+              <a:t>Undergraduate Position with DMP digitizing American Viticulture Areas boundaries in QGIS</a:t>
+            </a:r>
+          </a:p>
+          <a:p>
+            <a:pPr marL="0" indent="0">
+              <a:buNone/>
+            </a:pPr>
+            <a:r>
+              <a:rPr lang="en-US" sz="2800" dirty="0" smtClean="0"/>
+              <a:t>Project: </a:t>
+            </a:r>
+            <a:r>
+              <a:rPr lang="en-US" sz="2800" dirty="0">
+                <a:hlinkClick r:id="rId2"/>
+              </a:rPr>
+              <a:t>https://</a:t>
+            </a:r>
+            <a:r>
+              <a:rPr lang="en-US" sz="2800" dirty="0" smtClean="0">
+                <a:hlinkClick r:id="rId2"/>
+              </a:rPr>
+              <a:t>github.com/UCDavisLibrary/ava</a:t>
+            </a:r>
+            <a:endParaRPr lang="en-US" sz="2800" dirty="0" smtClean="0"/>
+          </a:p>
+          <a:p>
+            <a:pPr marL="0" indent="0">
+              <a:buNone/>
+            </a:pPr>
+            <a:r>
+              <a:rPr lang="en-US" sz="2800" dirty="0" smtClean="0"/>
+              <a:t>See Michele for details</a:t>
+            </a:r>
+            <a:endParaRPr lang="en-US" sz="2800" dirty="0"/>
+          </a:p>
+        </p:txBody>
+      </p:sp>
+    </p:spTree>
+    <p:extLst>
+      <p:ext uri="{BB962C8B-B14F-4D97-AF65-F5344CB8AC3E}">
+        <p14:creationId xmlns:p14="http://schemas.microsoft.com/office/powerpoint/2010/main" val="1234188859"/>
+      </p:ext>
+    </p:extLst>
+  </p:cSld>
+  <p:clrMapOvr>
+    <a:masterClrMapping/>
+  </p:clrMapOvr>
+  <p:timing>
+    <p:tnLst>
+      <p:par>
+        <p:cTn id="1" dur="indefinite" restart="never" nodeType="tmRoot"/>
+      </p:par>
+    </p:tnLst>
+  </p:timing>
+</p:sld>
+</file>
+
+<file path=ppt/slides/slide14.xml><?xml version="1.0" encoding="utf-8"?>
+<p:sld xmlns:a="http://schemas.openxmlformats.org/drawingml/2006/main" xmlns:r="http://schemas.openxmlformats.org/officeDocument/2006/relationships" xmlns:p="http://schemas.openxmlformats.org/presentationml/2006/main">
+  <p:cSld>
+    <p:spTree>
+      <p:nvGrpSpPr>
+        <p:cNvPr id="1" name=""/>
+        <p:cNvGrpSpPr/>
+        <p:nvPr/>
+      </p:nvGrpSpPr>
+      <p:grpSpPr>
+        <a:xfrm>
+          <a:off x="0" y="0"/>
+          <a:ext cx="0" cy="0"/>
+          <a:chOff x="0" y="0"/>
+          <a:chExt cx="0" cy="0"/>
+        </a:xfrm>
+      </p:grpSpPr>
+      <p:sp>
+        <p:nvSpPr>
           <p:cNvPr id="4" name="Title 3"/>
           <p:cNvSpPr>
             <a:spLocks noGrp="1"/>
@@ -6375,7 +6557,7 @@
 </p:sld>
 </file>
 
-<file path=ppt/slides/slide14.xml><?xml version="1.0" encoding="utf-8"?>
+<file path=ppt/slides/slide15.xml><?xml version="1.0" encoding="utf-8"?>
 <p:sld xmlns:a="http://schemas.openxmlformats.org/drawingml/2006/main" xmlns:r="http://schemas.openxmlformats.org/officeDocument/2006/relationships" xmlns:p="http://schemas.openxmlformats.org/presentationml/2006/main">
   <p:cSld>
     <p:spTree>

--- a/IntroToQGIS/maptimeDavis_F2017_Week1.pptx
+++ b/IntroToQGIS/maptimeDavis_F2017_Week1.pptx
@@ -9,17 +9,18 @@
     <p:sldId id="257" r:id="rId3"/>
     <p:sldId id="261" r:id="rId4"/>
     <p:sldId id="264" r:id="rId5"/>
-    <p:sldId id="268" r:id="rId6"/>
-    <p:sldId id="260" r:id="rId7"/>
-    <p:sldId id="258" r:id="rId8"/>
-    <p:sldId id="259" r:id="rId9"/>
-    <p:sldId id="269" r:id="rId10"/>
-    <p:sldId id="270" r:id="rId11"/>
-    <p:sldId id="262" r:id="rId12"/>
-    <p:sldId id="263" r:id="rId13"/>
-    <p:sldId id="266" r:id="rId14"/>
-    <p:sldId id="265" r:id="rId15"/>
-    <p:sldId id="267" r:id="rId16"/>
+    <p:sldId id="271" r:id="rId6"/>
+    <p:sldId id="268" r:id="rId7"/>
+    <p:sldId id="260" r:id="rId8"/>
+    <p:sldId id="258" r:id="rId9"/>
+    <p:sldId id="259" r:id="rId10"/>
+    <p:sldId id="269" r:id="rId11"/>
+    <p:sldId id="270" r:id="rId12"/>
+    <p:sldId id="262" r:id="rId13"/>
+    <p:sldId id="263" r:id="rId14"/>
+    <p:sldId id="266" r:id="rId15"/>
+    <p:sldId id="265" r:id="rId16"/>
+    <p:sldId id="267" r:id="rId17"/>
   </p:sldIdLst>
   <p:sldSz cx="12192000" cy="6858000"/>
   <p:notesSz cx="6858000" cy="9144000"/>
@@ -221,7 +222,7 @@
           <a:effectLst/>
           <a:extLst>
             <a:ext uri="{91240B29-F687-4f45-9708-019B960494DF}">
-              <a14:hiddenLine xmlns:a14="http://schemas.microsoft.com/office/drawing/2010/main" xmlns="" w="9525">
+              <a14:hiddenLine xmlns="" xmlns:a14="http://schemas.microsoft.com/office/drawing/2010/main" w="9525">
                 <a:solidFill>
                   <a:srgbClr val="000000"/>
                 </a:solidFill>
@@ -1821,7 +1822,7 @@
           <a:ln/>
           <a:extLst>
             <a:ext uri="{91240B29-F687-4f45-9708-019B960494DF}">
-              <a14:hiddenLine xmlns:a14="http://schemas.microsoft.com/office/drawing/2010/main" xmlns="" w="9525">
+              <a14:hiddenLine xmlns="" xmlns:a14="http://schemas.microsoft.com/office/drawing/2010/main" w="9525">
                 <a:solidFill>
                   <a:srgbClr val="000000"/>
                 </a:solidFill>
@@ -2143,7 +2144,7 @@
           <a:ln/>
           <a:extLst>
             <a:ext uri="{91240B29-F687-4f45-9708-019B960494DF}">
-              <a14:hiddenLine xmlns:a14="http://schemas.microsoft.com/office/drawing/2010/main" xmlns="" w="9525">
+              <a14:hiddenLine xmlns="" xmlns:a14="http://schemas.microsoft.com/office/drawing/2010/main" w="9525">
                 <a:solidFill>
                   <a:srgbClr val="000000"/>
                 </a:solidFill>
@@ -2473,7 +2474,7 @@
           <a:ln/>
           <a:extLst>
             <a:ext uri="{91240B29-F687-4f45-9708-019B960494DF}">
-              <a14:hiddenLine xmlns:a14="http://schemas.microsoft.com/office/drawing/2010/main" xmlns="" w="9525">
+              <a14:hiddenLine xmlns="" xmlns:a14="http://schemas.microsoft.com/office/drawing/2010/main" w="9525">
                 <a:solidFill>
                   <a:srgbClr val="000000"/>
                 </a:solidFill>
@@ -3164,7 +3165,7 @@
           <a:ln/>
           <a:extLst>
             <a:ext uri="{91240B29-F687-4f45-9708-019B960494DF}">
-              <a14:hiddenLine xmlns:a14="http://schemas.microsoft.com/office/drawing/2010/main" xmlns="" w="9525">
+              <a14:hiddenLine xmlns="" xmlns:a14="http://schemas.microsoft.com/office/drawing/2010/main" w="9525">
                 <a:solidFill>
                   <a:srgbClr val="000000"/>
                 </a:solidFill>
@@ -3576,7 +3577,7 @@
           <a:ln/>
           <a:extLst>
             <a:ext uri="{91240B29-F687-4f45-9708-019B960494DF}">
-              <a14:hiddenLine xmlns:a14="http://schemas.microsoft.com/office/drawing/2010/main" xmlns="" w="9525">
+              <a14:hiddenLine xmlns="" xmlns:a14="http://schemas.microsoft.com/office/drawing/2010/main" w="9525">
                 <a:solidFill>
                   <a:srgbClr val="000000"/>
                 </a:solidFill>
@@ -4126,7 +4127,7 @@
           <a:ln/>
           <a:extLst>
             <a:ext uri="{91240B29-F687-4f45-9708-019B960494DF}">
-              <a14:hiddenLine xmlns:a14="http://schemas.microsoft.com/office/drawing/2010/main" xmlns="" w="9525">
+              <a14:hiddenLine xmlns="" xmlns:a14="http://schemas.microsoft.com/office/drawing/2010/main" w="9525">
                 <a:solidFill>
                   <a:srgbClr val="000000"/>
                 </a:solidFill>
@@ -4591,7 +4592,7 @@
           <a:ln/>
           <a:extLst>
             <a:ext uri="{91240B29-F687-4f45-9708-019B960494DF}">
-              <a14:hiddenLine xmlns:a14="http://schemas.microsoft.com/office/drawing/2010/main" xmlns="" w="9525">
+              <a14:hiddenLine xmlns="" xmlns:a14="http://schemas.microsoft.com/office/drawing/2010/main" w="9525">
                 <a:solidFill>
                   <a:srgbClr val="000000"/>
                 </a:solidFill>
@@ -5984,7 +5985,7 @@
       </p:grpSpPr>
       <p:sp>
         <p:nvSpPr>
-          <p:cNvPr id="10" name="Title 9"/>
+          <p:cNvPr id="4" name="Title 3"/>
           <p:cNvSpPr>
             <a:spLocks noGrp="1"/>
           </p:cNvSpPr>
@@ -5999,6 +6000,13 @@
           <a:p>
             <a:r>
               <a:rPr lang="en-US" dirty="0" smtClean="0"/>
+              <a:t>About the </a:t>
+            </a:r>
+            <a:br>
+              <a:rPr lang="en-US" dirty="0" smtClean="0"/>
+            </a:br>
+            <a:r>
+              <a:rPr lang="en-US" dirty="0" smtClean="0"/>
               <a:t>Center for Spatial Sciences</a:t>
             </a:r>
             <a:endParaRPr lang="en-US" dirty="0"/>
@@ -6007,134 +6015,44 @@
       </p:sp>
       <p:sp>
         <p:nvSpPr>
-          <p:cNvPr id="11" name="Content Placeholder 10"/>
-          <p:cNvSpPr>
-            <a:spLocks noGrp="1"/>
-          </p:cNvSpPr>
-          <p:nvPr>
-            <p:ph idx="1"/>
-          </p:nvPr>
-        </p:nvSpPr>
-        <p:spPr>
-          <a:xfrm>
-            <a:off x="818712" y="2222287"/>
-            <a:ext cx="10554574" cy="4444327"/>
-          </a:xfrm>
-        </p:spPr>
-        <p:txBody>
-          <a:bodyPr>
-            <a:normAutofit lnSpcReduction="10000"/>
-          </a:bodyPr>
+          <p:cNvPr id="5" name="Text Placeholder 4"/>
+          <p:cNvSpPr>
+            <a:spLocks noGrp="1"/>
+          </p:cNvSpPr>
+          <p:nvPr>
+            <p:ph type="body" idx="1"/>
+          </p:nvPr>
+        </p:nvSpPr>
+        <p:spPr/>
+        <p:txBody>
+          <a:bodyPr/>
           <a:lstStyle/>
           <a:p>
-            <a:pPr marL="0" indent="0">
-              <a:buNone/>
-            </a:pPr>
-            <a:r>
-              <a:rPr lang="en-US" sz="2400" dirty="0" smtClean="0"/>
-              <a:t>Community Coordination</a:t>
-            </a:r>
-          </a:p>
-          <a:p>
-            <a:pPr>
-              <a:buFont typeface="Arial" panose="020B0604020202020204" pitchFamily="34" charset="0"/>
-              <a:buChar char="•"/>
-            </a:pPr>
-            <a:r>
-              <a:rPr lang="en-US" sz="2400" dirty="0" smtClean="0"/>
-              <a:t>Events</a:t>
-            </a:r>
-          </a:p>
-          <a:p>
-            <a:pPr>
-              <a:buFont typeface="Arial" panose="020B0604020202020204" pitchFamily="34" charset="0"/>
-              <a:buChar char="•"/>
-            </a:pPr>
-            <a:r>
-              <a:rPr lang="en-US" sz="2400" dirty="0" smtClean="0"/>
-              <a:t>Classes</a:t>
-            </a:r>
-          </a:p>
-          <a:p>
-            <a:pPr>
-              <a:buFont typeface="Arial" panose="020B0604020202020204" pitchFamily="34" charset="0"/>
-              <a:buChar char="•"/>
-            </a:pPr>
-            <a:r>
-              <a:rPr lang="en-US" sz="2400" dirty="0" smtClean="0"/>
-              <a:t>Data</a:t>
-            </a:r>
-          </a:p>
-          <a:p>
-            <a:pPr>
-              <a:buFont typeface="Arial" panose="020B0604020202020204" pitchFamily="34" charset="0"/>
-              <a:buChar char="•"/>
-            </a:pPr>
-            <a:r>
-              <a:rPr lang="en-US" sz="2400" dirty="0" smtClean="0"/>
-              <a:t>Drones</a:t>
-            </a:r>
-          </a:p>
-          <a:p>
-            <a:pPr>
-              <a:buFont typeface="Arial" panose="020B0604020202020204" pitchFamily="34" charset="0"/>
-              <a:buChar char="•"/>
-            </a:pPr>
-            <a:r>
-              <a:rPr lang="en-US" sz="2400" dirty="0" smtClean="0"/>
-              <a:t>Computing </a:t>
-            </a:r>
-          </a:p>
-          <a:p>
-            <a:pPr>
-              <a:buFont typeface="Arial" panose="020B0604020202020204" pitchFamily="34" charset="0"/>
-              <a:buChar char="•"/>
-            </a:pPr>
-            <a:r>
-              <a:rPr lang="en-US" sz="2400" dirty="0" smtClean="0"/>
-              <a:t>Communication </a:t>
-            </a:r>
-          </a:p>
-          <a:p>
-            <a:pPr marL="0" indent="0">
-              <a:buNone/>
-            </a:pPr>
-            <a:r>
-              <a:rPr lang="en-US" sz="2400" dirty="0" smtClean="0"/>
-              <a:t>Encouraging Membership for Research Groups &amp; Labs</a:t>
-            </a:r>
-          </a:p>
-          <a:p>
-            <a:pPr marL="0" indent="0">
-              <a:buNone/>
-            </a:pPr>
-            <a:r>
-              <a:rPr lang="en-US" sz="1700" dirty="0" smtClean="0"/>
-              <a:t>Website: </a:t>
-            </a:r>
-            <a:r>
-              <a:rPr lang="en-US" sz="1700" dirty="0">
-                <a:hlinkClick r:id="rId2"/>
-              </a:rPr>
-              <a:t>https://spatial.ucdavis.edu</a:t>
-            </a:r>
-            <a:r>
-              <a:rPr lang="en-US" sz="1700" dirty="0"/>
-              <a:t> </a:t>
-            </a:r>
+            <a:r>
+              <a:rPr lang="en-US" dirty="0" smtClean="0"/>
+              <a:t>How can we help you?</a:t>
+            </a:r>
+            <a:endParaRPr lang="en-US" dirty="0"/>
           </a:p>
         </p:txBody>
       </p:sp>
     </p:spTree>
     <p:extLst>
       <p:ext uri="{BB962C8B-B14F-4D97-AF65-F5344CB8AC3E}">
-        <p14:creationId xmlns:p14="http://schemas.microsoft.com/office/powerpoint/2010/main" val="3119110682"/>
+        <p14:creationId xmlns:p14="http://schemas.microsoft.com/office/powerpoint/2010/main" val="3066664683"/>
       </p:ext>
     </p:extLst>
   </p:cSld>
   <p:clrMapOvr>
     <a:masterClrMapping/>
   </p:clrMapOvr>
+  <p:timing>
+    <p:tnLst>
+      <p:par>
+        <p:cTn id="1" dur="indefinite" restart="never" nodeType="tmRoot"/>
+      </p:par>
+    </p:tnLst>
+  </p:timing>
 </p:sld>
 </file>
 
@@ -6157,7 +6075,7 @@
       </p:grpSpPr>
       <p:sp>
         <p:nvSpPr>
-          <p:cNvPr id="2" name="Title 1"/>
+          <p:cNvPr id="10" name="Title 9"/>
           <p:cNvSpPr>
             <a:spLocks noGrp="1"/>
           </p:cNvSpPr>
@@ -6172,15 +6090,15 @@
           <a:p>
             <a:r>
               <a:rPr lang="en-US" dirty="0" smtClean="0"/>
-              <a:t>What’s today’s topic?</a:t>
-            </a:r>
-            <a:endParaRPr lang="en-US" dirty="0"/>
-          </a:p>
-        </p:txBody>
-      </p:sp>
-      <p:sp>
-        <p:nvSpPr>
-          <p:cNvPr id="3" name="Content Placeholder 2"/>
+              <a:t>Center for Spatial Sciences</a:t>
+            </a:r>
+            <a:endParaRPr lang="en-US" dirty="0"/>
+          </a:p>
+        </p:txBody>
+      </p:sp>
+      <p:sp>
+        <p:nvSpPr>
+          <p:cNvPr id="11" name="Content Placeholder 10"/>
           <p:cNvSpPr>
             <a:spLocks noGrp="1"/>
           </p:cNvSpPr>
@@ -6188,10 +6106,15 @@
             <p:ph idx="1"/>
           </p:nvPr>
         </p:nvSpPr>
-        <p:spPr/>
+        <p:spPr>
+          <a:xfrm>
+            <a:off x="818712" y="2222287"/>
+            <a:ext cx="10554574" cy="4444327"/>
+          </a:xfrm>
+        </p:spPr>
         <p:txBody>
           <a:bodyPr>
-            <a:normAutofit/>
+            <a:normAutofit lnSpcReduction="10000"/>
           </a:bodyPr>
           <a:lstStyle/>
           <a:p>
@@ -6199,30 +6122,110 @@
               <a:buNone/>
             </a:pPr>
             <a:r>
-              <a:rPr lang="en-US" sz="11500" dirty="0" smtClean="0"/>
-              <a:t>Intro to QGIS</a:t>
-            </a:r>
-            <a:endParaRPr lang="en-US" sz="11500" dirty="0"/>
+              <a:rPr lang="en-US" sz="2400" dirty="0" smtClean="0"/>
+              <a:t>Community Coordination</a:t>
+            </a:r>
+          </a:p>
+          <a:p>
+            <a:pPr>
+              <a:buFont typeface="Arial" panose="020B0604020202020204" pitchFamily="34" charset="0"/>
+              <a:buChar char="•"/>
+            </a:pPr>
+            <a:r>
+              <a:rPr lang="en-US" sz="2400" dirty="0" smtClean="0"/>
+              <a:t>Events</a:t>
+            </a:r>
+          </a:p>
+          <a:p>
+            <a:pPr>
+              <a:buFont typeface="Arial" panose="020B0604020202020204" pitchFamily="34" charset="0"/>
+              <a:buChar char="•"/>
+            </a:pPr>
+            <a:r>
+              <a:rPr lang="en-US" sz="2400" dirty="0" smtClean="0"/>
+              <a:t>Classes</a:t>
+            </a:r>
+          </a:p>
+          <a:p>
+            <a:pPr>
+              <a:buFont typeface="Arial" panose="020B0604020202020204" pitchFamily="34" charset="0"/>
+              <a:buChar char="•"/>
+            </a:pPr>
+            <a:r>
+              <a:rPr lang="en-US" sz="2400" dirty="0" smtClean="0"/>
+              <a:t>Data</a:t>
+            </a:r>
+          </a:p>
+          <a:p>
+            <a:pPr>
+              <a:buFont typeface="Arial" panose="020B0604020202020204" pitchFamily="34" charset="0"/>
+              <a:buChar char="•"/>
+            </a:pPr>
+            <a:r>
+              <a:rPr lang="en-US" sz="2400" dirty="0" smtClean="0"/>
+              <a:t>Drones</a:t>
+            </a:r>
+          </a:p>
+          <a:p>
+            <a:pPr>
+              <a:buFont typeface="Arial" panose="020B0604020202020204" pitchFamily="34" charset="0"/>
+              <a:buChar char="•"/>
+            </a:pPr>
+            <a:r>
+              <a:rPr lang="en-US" sz="2400" dirty="0" smtClean="0"/>
+              <a:t>Computing </a:t>
+            </a:r>
+          </a:p>
+          <a:p>
+            <a:pPr>
+              <a:buFont typeface="Arial" panose="020B0604020202020204" pitchFamily="34" charset="0"/>
+              <a:buChar char="•"/>
+            </a:pPr>
+            <a:r>
+              <a:rPr lang="en-US" sz="2400" dirty="0" smtClean="0"/>
+              <a:t>Communication </a:t>
+            </a:r>
+          </a:p>
+          <a:p>
+            <a:pPr marL="0" indent="0">
+              <a:buNone/>
+            </a:pPr>
+            <a:r>
+              <a:rPr lang="en-US" sz="2400" dirty="0" smtClean="0"/>
+              <a:t>Encouraging Membership for Research Groups &amp; Labs</a:t>
+            </a:r>
+          </a:p>
+          <a:p>
+            <a:pPr marL="0" indent="0">
+              <a:buNone/>
+            </a:pPr>
+            <a:r>
+              <a:rPr lang="en-US" sz="1700" dirty="0" smtClean="0"/>
+              <a:t>Website: </a:t>
+            </a:r>
+            <a:r>
+              <a:rPr lang="en-US" sz="1700" dirty="0">
+                <a:hlinkClick r:id="rId2"/>
+              </a:rPr>
+              <a:t>https://spatial.ucdavis.edu</a:t>
+            </a:r>
+            <a:r>
+              <a:rPr lang="en-US" sz="1700" dirty="0"/>
+              <a:t> </a:t>
+            </a:r>
           </a:p>
         </p:txBody>
       </p:sp>
     </p:spTree>
     <p:extLst>
       <p:ext uri="{BB962C8B-B14F-4D97-AF65-F5344CB8AC3E}">
-        <p14:creationId xmlns:p14="http://schemas.microsoft.com/office/powerpoint/2010/main" val="3019326741"/>
+        <p14:creationId xmlns:p14="http://schemas.microsoft.com/office/powerpoint/2010/main" val="3119110682"/>
       </p:ext>
     </p:extLst>
   </p:cSld>
   <p:clrMapOvr>
     <a:masterClrMapping/>
   </p:clrMapOvr>
-  <p:timing>
-    <p:tnLst>
-      <p:par>
-        <p:cTn id="1" dur="indefinite" restart="never" nodeType="tmRoot"/>
-      </p:par>
-    </p:tnLst>
-  </p:timing>
 </p:sld>
 </file>
 
@@ -6260,7 +6263,7 @@
           <a:p>
             <a:r>
               <a:rPr lang="en-US" dirty="0" smtClean="0"/>
-              <a:t>What’s Coming Up?</a:t>
+              <a:t>What’s today’s topic?</a:t>
             </a:r>
             <a:endParaRPr lang="en-US" dirty="0"/>
           </a:p>
@@ -6287,52 +6290,17 @@
               <a:buNone/>
             </a:pPr>
             <a:r>
-              <a:rPr lang="en-US" sz="3200" dirty="0" smtClean="0"/>
-              <a:t>10/2     Custom Cartographic Symbols</a:t>
-            </a:r>
-          </a:p>
-          <a:p>
-            <a:pPr marL="0" indent="0">
-              <a:buNone/>
-            </a:pPr>
-            <a:r>
-              <a:rPr lang="en-US" sz="3200" dirty="0" smtClean="0"/>
-              <a:t>10/9     Google Earth Engine</a:t>
-            </a:r>
-          </a:p>
-          <a:p>
-            <a:pPr marL="0" indent="0">
-              <a:buNone/>
-            </a:pPr>
-            <a:r>
-              <a:rPr lang="en-US" sz="3200" dirty="0" smtClean="0"/>
-              <a:t>10/16   </a:t>
-            </a:r>
-            <a:r>
-              <a:rPr lang="en-US" sz="3200" dirty="0" smtClean="0"/>
-              <a:t> Intro </a:t>
-            </a:r>
-            <a:r>
-              <a:rPr lang="en-US" sz="3200" dirty="0" smtClean="0"/>
-              <a:t>to Spatial Data with Rspatial.org</a:t>
-            </a:r>
-          </a:p>
-          <a:p>
-            <a:pPr marL="0" indent="0">
-              <a:buNone/>
-            </a:pPr>
-            <a:r>
-              <a:rPr lang="en-US" sz="3200" dirty="0" smtClean="0"/>
-              <a:t>10/23   UAV/Drone Show &amp; Tell</a:t>
-            </a:r>
-            <a:endParaRPr lang="en-US" sz="3200" dirty="0"/>
+              <a:rPr lang="en-US" sz="11500" dirty="0" smtClean="0"/>
+              <a:t>Intro to QGIS</a:t>
+            </a:r>
+            <a:endParaRPr lang="en-US" sz="11500" dirty="0"/>
           </a:p>
         </p:txBody>
       </p:sp>
     </p:spTree>
     <p:extLst>
       <p:ext uri="{BB962C8B-B14F-4D97-AF65-F5344CB8AC3E}">
-        <p14:creationId xmlns:p14="http://schemas.microsoft.com/office/powerpoint/2010/main" val="267745598"/>
+        <p14:creationId xmlns:p14="http://schemas.microsoft.com/office/powerpoint/2010/main" val="3019326741"/>
       </p:ext>
     </p:extLst>
   </p:cSld>
@@ -6383,7 +6351,7 @@
           <a:p>
             <a:r>
               <a:rPr lang="en-US" dirty="0" smtClean="0"/>
-              <a:t>Job Opportunities</a:t>
+              <a:t>What’s Coming Up?</a:t>
             </a:r>
             <a:endParaRPr lang="en-US" dirty="0"/>
           </a:p>
@@ -6410,8 +6378,8 @@
               <a:buNone/>
             </a:pPr>
             <a:r>
-              <a:rPr lang="en-US" sz="2800" dirty="0" smtClean="0"/>
-              <a:t>Undergraduate Position with DMP digitizing American Viticulture Areas boundaries in QGIS</a:t>
+              <a:rPr lang="en-US" sz="3200" dirty="0" smtClean="0"/>
+              <a:t>10/2     Custom Cartographic Symbols</a:t>
             </a:r>
           </a:p>
           <a:p>
@@ -6419,39 +6387,35 @@
               <a:buNone/>
             </a:pPr>
             <a:r>
-              <a:rPr lang="en-US" sz="2800" dirty="0" smtClean="0"/>
-              <a:t>Project: </a:t>
-            </a:r>
-            <a:r>
-              <a:rPr lang="en-US" sz="2800" dirty="0">
-                <a:hlinkClick r:id="rId2"/>
-              </a:rPr>
-              <a:t>https://</a:t>
-            </a:r>
-            <a:r>
-              <a:rPr lang="en-US" sz="2800" dirty="0" smtClean="0">
-                <a:hlinkClick r:id="rId2"/>
-              </a:rPr>
-              <a:t>github.com/UCDavisLibrary/ava</a:t>
-            </a:r>
-            <a:endParaRPr lang="en-US" sz="2800" dirty="0" smtClean="0"/>
+              <a:rPr lang="en-US" sz="3200" dirty="0" smtClean="0"/>
+              <a:t>10/9     Google Earth Engine</a:t>
+            </a:r>
           </a:p>
           <a:p>
             <a:pPr marL="0" indent="0">
               <a:buNone/>
             </a:pPr>
             <a:r>
-              <a:rPr lang="en-US" sz="2800" dirty="0" smtClean="0"/>
-              <a:t>See Michele for details</a:t>
-            </a:r>
-            <a:endParaRPr lang="en-US" sz="2800" dirty="0"/>
+              <a:rPr lang="en-US" sz="3200" dirty="0" smtClean="0"/>
+              <a:t>10/16    Intro to Spatial Data with Rspatial.org</a:t>
+            </a:r>
+          </a:p>
+          <a:p>
+            <a:pPr marL="0" indent="0">
+              <a:buNone/>
+            </a:pPr>
+            <a:r>
+              <a:rPr lang="en-US" sz="3200" dirty="0" smtClean="0"/>
+              <a:t>10/23   UAV/Drone Show &amp; Tell</a:t>
+            </a:r>
+            <a:endParaRPr lang="en-US" sz="3200" dirty="0"/>
           </a:p>
         </p:txBody>
       </p:sp>
     </p:spTree>
     <p:extLst>
       <p:ext uri="{BB962C8B-B14F-4D97-AF65-F5344CB8AC3E}">
-        <p14:creationId xmlns:p14="http://schemas.microsoft.com/office/powerpoint/2010/main" val="1234188859"/>
+        <p14:creationId xmlns:p14="http://schemas.microsoft.com/office/powerpoint/2010/main" val="267745598"/>
       </p:ext>
     </p:extLst>
   </p:cSld>
@@ -6487,6 +6451,125 @@
       </p:grpSpPr>
       <p:sp>
         <p:nvSpPr>
+          <p:cNvPr id="2" name="Title 1"/>
+          <p:cNvSpPr>
+            <a:spLocks noGrp="1"/>
+          </p:cNvSpPr>
+          <p:nvPr>
+            <p:ph type="title"/>
+          </p:nvPr>
+        </p:nvSpPr>
+        <p:spPr/>
+        <p:txBody>
+          <a:bodyPr/>
+          <a:lstStyle/>
+          <a:p>
+            <a:r>
+              <a:rPr lang="en-US" dirty="0" smtClean="0"/>
+              <a:t>Job Opportunities</a:t>
+            </a:r>
+            <a:endParaRPr lang="en-US" dirty="0"/>
+          </a:p>
+        </p:txBody>
+      </p:sp>
+      <p:sp>
+        <p:nvSpPr>
+          <p:cNvPr id="3" name="Content Placeholder 2"/>
+          <p:cNvSpPr>
+            <a:spLocks noGrp="1"/>
+          </p:cNvSpPr>
+          <p:nvPr>
+            <p:ph idx="1"/>
+          </p:nvPr>
+        </p:nvSpPr>
+        <p:spPr/>
+        <p:txBody>
+          <a:bodyPr>
+            <a:normAutofit/>
+          </a:bodyPr>
+          <a:lstStyle/>
+          <a:p>
+            <a:pPr marL="0" indent="0">
+              <a:buNone/>
+            </a:pPr>
+            <a:r>
+              <a:rPr lang="en-US" sz="2800" dirty="0" smtClean="0"/>
+              <a:t>Undergraduate Position with DMP digitizing American Viticulture Areas boundaries in QGIS</a:t>
+            </a:r>
+          </a:p>
+          <a:p>
+            <a:pPr marL="0" indent="0">
+              <a:buNone/>
+            </a:pPr>
+            <a:r>
+              <a:rPr lang="en-US" sz="2800" dirty="0" smtClean="0"/>
+              <a:t>Project: </a:t>
+            </a:r>
+            <a:r>
+              <a:rPr lang="en-US" sz="2800" dirty="0">
+                <a:hlinkClick r:id="rId2"/>
+              </a:rPr>
+              <a:t>https://</a:t>
+            </a:r>
+            <a:r>
+              <a:rPr lang="en-US" sz="2800" dirty="0" smtClean="0">
+                <a:hlinkClick r:id="rId2"/>
+              </a:rPr>
+              <a:t>github.com/UCDavisLibrary/ava</a:t>
+            </a:r>
+            <a:endParaRPr lang="en-US" sz="2800" dirty="0" smtClean="0"/>
+          </a:p>
+          <a:p>
+            <a:pPr marL="0" indent="0">
+              <a:buNone/>
+            </a:pPr>
+            <a:r>
+              <a:rPr lang="en-US" sz="2800" dirty="0" smtClean="0"/>
+              <a:t>See Michele for details</a:t>
+            </a:r>
+            <a:endParaRPr lang="en-US" sz="2800" dirty="0"/>
+          </a:p>
+        </p:txBody>
+      </p:sp>
+    </p:spTree>
+    <p:extLst>
+      <p:ext uri="{BB962C8B-B14F-4D97-AF65-F5344CB8AC3E}">
+        <p14:creationId xmlns:p14="http://schemas.microsoft.com/office/powerpoint/2010/main" val="1234188859"/>
+      </p:ext>
+    </p:extLst>
+  </p:cSld>
+  <p:clrMapOvr>
+    <a:masterClrMapping/>
+  </p:clrMapOvr>
+  <p:timing>
+    <p:tnLst>
+      <p:par>
+        <p:cTn id="1" dur="indefinite" restart="never" nodeType="tmRoot"/>
+      </p:par>
+    </p:tnLst>
+  </p:timing>
+</p:sld>
+</file>
+
+<file path=ppt/slides/slide15.xml><?xml version="1.0" encoding="utf-8"?>
+<p:sld xmlns:a="http://schemas.openxmlformats.org/drawingml/2006/main" xmlns:r="http://schemas.openxmlformats.org/officeDocument/2006/relationships" xmlns:p="http://schemas.openxmlformats.org/presentationml/2006/main">
+  <p:cSld>
+    <p:spTree>
+      <p:nvGrpSpPr>
+        <p:cNvPr id="1" name=""/>
+        <p:cNvGrpSpPr/>
+        <p:nvPr/>
+      </p:nvGrpSpPr>
+      <p:grpSpPr>
+        <a:xfrm>
+          <a:off x="0" y="0"/>
+          <a:ext cx="0" cy="0"/>
+          <a:chOff x="0" y="0"/>
+          <a:chExt cx="0" cy="0"/>
+        </a:xfrm>
+      </p:grpSpPr>
+      <p:sp>
+        <p:nvSpPr>
           <p:cNvPr id="4" name="Title 3"/>
           <p:cNvSpPr>
             <a:spLocks noGrp="1"/>
@@ -6557,7 +6640,7 @@
 </p:sld>
 </file>
 
-<file path=ppt/slides/slide15.xml><?xml version="1.0" encoding="utf-8"?>
+<file path=ppt/slides/slide16.xml><?xml version="1.0" encoding="utf-8"?>
 <p:sld xmlns:a="http://schemas.openxmlformats.org/drawingml/2006/main" xmlns:r="http://schemas.openxmlformats.org/officeDocument/2006/relationships" xmlns:p="http://schemas.openxmlformats.org/presentationml/2006/main">
   <p:cSld>
     <p:spTree>
@@ -7031,7 +7114,15 @@
           <a:p>
             <a:r>
               <a:rPr lang="en-US" dirty="0" smtClean="0"/>
-              <a:t>Who are you?</a:t>
+              <a:t>Off</a:t>
+            </a:r>
+            <a:r>
+              <a:rPr lang="en-US" dirty="0" smtClean="0"/>
+              <a:t> </a:t>
+            </a:r>
+            <a:r>
+              <a:rPr lang="en-US" dirty="0" smtClean="0"/>
+              <a:t>Campus Connection:</a:t>
             </a:r>
             <a:endParaRPr lang="en-US" dirty="0"/>
           </a:p>
@@ -7049,32 +7140,76 @@
         </p:nvSpPr>
         <p:spPr/>
         <p:txBody>
-          <a:bodyPr>
-            <a:normAutofit/>
-          </a:bodyPr>
+          <a:bodyPr/>
           <a:lstStyle/>
           <a:p>
             <a:pPr marL="0" indent="0">
               <a:buNone/>
             </a:pPr>
             <a:r>
+              <a:rPr lang="en-US" sz="3600" dirty="0" smtClean="0"/>
+              <a:t>Women in GIS</a:t>
+            </a:r>
+          </a:p>
+          <a:p>
+            <a:pPr marL="0" indent="0">
+              <a:buNone/>
+            </a:pPr>
+            <a:r>
+              <a:rPr lang="en-US" sz="3600" dirty="0">
+                <a:hlinkClick r:id="rId2"/>
+              </a:rPr>
+              <a:t>http://www.womeningis.org</a:t>
+            </a:r>
+            <a:r>
+              <a:rPr lang="en-US" sz="3600" dirty="0" smtClean="0">
+                <a:hlinkClick r:id="rId2"/>
+              </a:rPr>
+              <a:t>/</a:t>
+            </a:r>
+            <a:r>
+              <a:rPr lang="en-US" sz="3600" dirty="0" smtClean="0"/>
+              <a:t> </a:t>
+            </a:r>
+          </a:p>
+          <a:p>
+            <a:pPr marL="0" indent="0">
+              <a:buNone/>
+            </a:pPr>
+            <a:endParaRPr lang="en-US" sz="3600" dirty="0"/>
+          </a:p>
+          <a:p>
+            <a:pPr marL="0" indent="0">
+              <a:buNone/>
+            </a:pPr>
+            <a:r>
               <a:rPr lang="en-US" sz="2800" dirty="0" smtClean="0"/>
-              <a:t>Take 2 minutes to introduce yourself to someone new!</a:t>
-            </a:r>
-            <a:endParaRPr lang="en-US" sz="2800" dirty="0"/>
+              <a:t>A resource for women (and everyone) in GIS</a:t>
+            </a:r>
+            <a:endParaRPr lang="en-US" sz="2800" dirty="0" smtClean="0"/>
+          </a:p>
+          <a:p>
+            <a:endParaRPr lang="en-US" dirty="0"/>
           </a:p>
         </p:txBody>
       </p:sp>
     </p:spTree>
     <p:extLst>
       <p:ext uri="{BB962C8B-B14F-4D97-AF65-F5344CB8AC3E}">
-        <p14:creationId xmlns:p14="http://schemas.microsoft.com/office/powerpoint/2010/main" val="1878188945"/>
+        <p14:creationId xmlns:p14="http://schemas.microsoft.com/office/powerpoint/2010/main" val="24456774"/>
       </p:ext>
     </p:extLst>
   </p:cSld>
   <p:clrMapOvr>
     <a:masterClrMapping/>
   </p:clrMapOvr>
+  <p:timing>
+    <p:tnLst>
+      <p:par>
+        <p:cTn id="1" dur="indefinite" restart="never" nodeType="tmRoot"/>
+      </p:par>
+    </p:tnLst>
+  </p:timing>
 </p:sld>
 </file>
 
@@ -7097,7 +7232,7 @@
       </p:grpSpPr>
       <p:sp>
         <p:nvSpPr>
-          <p:cNvPr id="4" name="Title 3"/>
+          <p:cNvPr id="2" name="Title 1"/>
           <p:cNvSpPr>
             <a:spLocks noGrp="1"/>
           </p:cNvSpPr>
@@ -7112,66 +7247,50 @@
           <a:p>
             <a:r>
               <a:rPr lang="en-US" dirty="0" smtClean="0"/>
-              <a:t>About the </a:t>
-            </a:r>
-            <a:br>
-              <a:rPr lang="en-US" dirty="0" smtClean="0"/>
-            </a:br>
-            <a:r>
-              <a:rPr lang="en-US" dirty="0" smtClean="0"/>
-              <a:t>UC Davis Library’s </a:t>
-            </a:r>
-            <a:br>
-              <a:rPr lang="en-US" dirty="0" smtClean="0"/>
-            </a:br>
-            <a:r>
-              <a:rPr lang="en-US" dirty="0" smtClean="0"/>
-              <a:t>Data Management Program</a:t>
-            </a:r>
-            <a:endParaRPr lang="en-US" dirty="0"/>
-          </a:p>
-        </p:txBody>
-      </p:sp>
-      <p:sp>
-        <p:nvSpPr>
-          <p:cNvPr id="5" name="Text Placeholder 4"/>
-          <p:cNvSpPr>
-            <a:spLocks noGrp="1"/>
-          </p:cNvSpPr>
-          <p:nvPr>
-            <p:ph type="body" idx="1"/>
+              <a:t>Who are you?</a:t>
+            </a:r>
+            <a:endParaRPr lang="en-US" dirty="0"/>
+          </a:p>
+        </p:txBody>
+      </p:sp>
+      <p:sp>
+        <p:nvSpPr>
+          <p:cNvPr id="3" name="Content Placeholder 2"/>
+          <p:cNvSpPr>
+            <a:spLocks noGrp="1"/>
+          </p:cNvSpPr>
+          <p:nvPr>
+            <p:ph idx="1"/>
           </p:nvPr>
         </p:nvSpPr>
         <p:spPr/>
         <p:txBody>
-          <a:bodyPr/>
+          <a:bodyPr>
+            <a:normAutofit/>
+          </a:bodyPr>
           <a:lstStyle/>
           <a:p>
-            <a:r>
-              <a:rPr lang="en-US" dirty="0" smtClean="0"/>
-              <a:t>How can we help you?</a:t>
-            </a:r>
-            <a:endParaRPr lang="en-US" dirty="0"/>
+            <a:pPr marL="0" indent="0">
+              <a:buNone/>
+            </a:pPr>
+            <a:r>
+              <a:rPr lang="en-US" sz="2800" dirty="0" smtClean="0"/>
+              <a:t>Take 2 minutes to introduce yourself to someone new!</a:t>
+            </a:r>
+            <a:endParaRPr lang="en-US" sz="2800" dirty="0"/>
           </a:p>
         </p:txBody>
       </p:sp>
     </p:spTree>
     <p:extLst>
       <p:ext uri="{BB962C8B-B14F-4D97-AF65-F5344CB8AC3E}">
-        <p14:creationId xmlns:p14="http://schemas.microsoft.com/office/powerpoint/2010/main" val="2211707094"/>
+        <p14:creationId xmlns:p14="http://schemas.microsoft.com/office/powerpoint/2010/main" val="1878188945"/>
       </p:ext>
     </p:extLst>
   </p:cSld>
   <p:clrMapOvr>
     <a:masterClrMapping/>
   </p:clrMapOvr>
-  <p:timing>
-    <p:tnLst>
-      <p:par>
-        <p:cTn id="1" dur="indefinite" restart="never" nodeType="tmRoot"/>
-      </p:par>
-    </p:tnLst>
-  </p:timing>
 </p:sld>
 </file>
 
@@ -7199,62 +7318,63 @@
             <a:spLocks noGrp="1"/>
           </p:cNvSpPr>
           <p:nvPr>
-            <p:ph type="ctrTitle"/>
+            <p:ph type="title"/>
           </p:nvPr>
         </p:nvSpPr>
         <p:spPr/>
         <p:txBody>
-          <a:bodyPr>
-            <a:normAutofit fontScale="90000"/>
-          </a:bodyPr>
+          <a:bodyPr/>
           <a:lstStyle/>
           <a:p>
             <a:r>
-              <a:rPr lang="en-US" dirty="0"/>
-              <a:t>The Data Management Program works to ensure key data are easily discoverable and accessible for the benefit of UC Davis researchers in all disciplines.</a:t>
-            </a:r>
-          </a:p>
-        </p:txBody>
-      </p:sp>
-      <p:sp>
-        <p:nvSpPr>
-          <p:cNvPr id="2" name="TextBox 1"/>
-          <p:cNvSpPr txBox="1"/>
-          <p:nvPr/>
-        </p:nvSpPr>
-        <p:spPr>
-          <a:xfrm>
-            <a:off x="890088" y="5461461"/>
-            <a:ext cx="10411826" cy="923330"/>
-          </a:xfrm>
-          <a:prstGeom prst="rect">
-            <a:avLst/>
-          </a:prstGeom>
-          <a:noFill/>
-        </p:spPr>
-        <p:txBody>
-          <a:bodyPr wrap="none" rtlCol="0">
-            <a:spAutoFit/>
-          </a:bodyPr>
+              <a:rPr lang="en-US" dirty="0" smtClean="0"/>
+              <a:t>About the </a:t>
+            </a:r>
+            <a:br>
+              <a:rPr lang="en-US" dirty="0" smtClean="0"/>
+            </a:br>
+            <a:r>
+              <a:rPr lang="en-US" dirty="0" smtClean="0"/>
+              <a:t>UC Davis Library’s </a:t>
+            </a:r>
+            <a:br>
+              <a:rPr lang="en-US" dirty="0" smtClean="0"/>
+            </a:br>
+            <a:r>
+              <a:rPr lang="en-US" dirty="0" smtClean="0"/>
+              <a:t>Data Management Program</a:t>
+            </a:r>
+            <a:endParaRPr lang="en-US" dirty="0"/>
+          </a:p>
+        </p:txBody>
+      </p:sp>
+      <p:sp>
+        <p:nvSpPr>
+          <p:cNvPr id="5" name="Text Placeholder 4"/>
+          <p:cNvSpPr>
+            <a:spLocks noGrp="1"/>
+          </p:cNvSpPr>
+          <p:nvPr>
+            <p:ph type="body" idx="1"/>
+          </p:nvPr>
+        </p:nvSpPr>
+        <p:spPr/>
+        <p:txBody>
+          <a:bodyPr/>
           <a:lstStyle/>
           <a:p>
-            <a:pPr algn="ctr"/>
-            <a:r>
-              <a:rPr lang="en-US" sz="5400" dirty="0" smtClean="0">
-                <a:latin typeface="Comfortaa" panose="00000500000000000000" pitchFamily="2" charset="0"/>
-              </a:rPr>
-              <a:t>Find + Manage + Share Data</a:t>
-            </a:r>
-            <a:endParaRPr lang="en-US" sz="5400" dirty="0">
-              <a:latin typeface="Comfortaa" panose="00000500000000000000" pitchFamily="2" charset="0"/>
-            </a:endParaRPr>
+            <a:r>
+              <a:rPr lang="en-US" dirty="0" smtClean="0"/>
+              <a:t>How can we help you?</a:t>
+            </a:r>
+            <a:endParaRPr lang="en-US" dirty="0"/>
           </a:p>
         </p:txBody>
       </p:sp>
     </p:spTree>
     <p:extLst>
       <p:ext uri="{BB962C8B-B14F-4D97-AF65-F5344CB8AC3E}">
-        <p14:creationId xmlns:p14="http://schemas.microsoft.com/office/powerpoint/2010/main" val="3925287725"/>
+        <p14:creationId xmlns:p14="http://schemas.microsoft.com/office/powerpoint/2010/main" val="2211707094"/>
       </p:ext>
     </p:extLst>
   </p:cSld>
@@ -7295,169 +7415,62 @@
             <a:spLocks noGrp="1"/>
           </p:cNvSpPr>
           <p:nvPr>
-            <p:ph type="title"/>
+            <p:ph type="ctrTitle"/>
           </p:nvPr>
         </p:nvSpPr>
         <p:spPr/>
         <p:txBody>
           <a:bodyPr>
-            <a:normAutofit/>
+            <a:normAutofit fontScale="90000"/>
           </a:bodyPr>
           <a:lstStyle/>
           <a:p>
             <a:r>
-              <a:rPr lang="en-US" b="1" dirty="0" smtClean="0"/>
-              <a:t>Data </a:t>
-            </a:r>
-            <a:r>
-              <a:rPr lang="en-US" b="1" dirty="0"/>
-              <a:t>Management </a:t>
-            </a:r>
-            <a:r>
-              <a:rPr lang="en-US" b="1" dirty="0" smtClean="0"/>
-              <a:t>Program Services</a:t>
-            </a:r>
-            <a:endParaRPr lang="en-US" dirty="0"/>
-          </a:p>
-        </p:txBody>
-      </p:sp>
-      <p:sp>
-        <p:nvSpPr>
-          <p:cNvPr id="5" name="Content Placeholder 4"/>
-          <p:cNvSpPr>
-            <a:spLocks noGrp="1"/>
-          </p:cNvSpPr>
-          <p:nvPr>
-            <p:ph idx="1"/>
-          </p:nvPr>
+              <a:rPr lang="en-US" dirty="0"/>
+              <a:t>The Data Management Program works to ensure key data are easily discoverable and accessible for the benefit of UC Davis researchers in all disciplines.</a:t>
+            </a:r>
+          </a:p>
+        </p:txBody>
+      </p:sp>
+      <p:sp>
+        <p:nvSpPr>
+          <p:cNvPr id="2" name="TextBox 1"/>
+          <p:cNvSpPr txBox="1"/>
+          <p:nvPr/>
         </p:nvSpPr>
         <p:spPr>
           <a:xfrm>
-            <a:off x="818712" y="2222287"/>
-            <a:ext cx="10554574" cy="4369706"/>
+            <a:off x="890088" y="5461461"/>
+            <a:ext cx="10411826" cy="923330"/>
           </a:xfrm>
+          <a:prstGeom prst="rect">
+            <a:avLst/>
+          </a:prstGeom>
+          <a:noFill/>
         </p:spPr>
         <p:txBody>
-          <a:bodyPr>
-            <a:normAutofit/>
+          <a:bodyPr wrap="none" rtlCol="0">
+            <a:spAutoFit/>
           </a:bodyPr>
           <a:lstStyle/>
           <a:p>
-            <a:pPr lvl="1">
-              <a:buFont typeface="Arial" panose="020B0604020202020204" pitchFamily="34" charset="0"/>
-              <a:buChar char="•"/>
-            </a:pPr>
-            <a:r>
-              <a:rPr lang="en-US" sz="2400" dirty="0" smtClean="0"/>
-              <a:t>Data </a:t>
-            </a:r>
-            <a:r>
-              <a:rPr lang="en-US" sz="2400" dirty="0"/>
-              <a:t>Management Plans</a:t>
-            </a:r>
-          </a:p>
-          <a:p>
-            <a:pPr lvl="1">
-              <a:buFont typeface="Arial" panose="020B0604020202020204" pitchFamily="34" charset="0"/>
-              <a:buChar char="•"/>
-            </a:pPr>
-            <a:r>
-              <a:rPr lang="en-US" sz="2400" dirty="0"/>
-              <a:t>Metadata &amp; Describing Data</a:t>
-            </a:r>
-          </a:p>
-          <a:p>
-            <a:pPr lvl="1">
-              <a:buFont typeface="Arial" panose="020B0604020202020204" pitchFamily="34" charset="0"/>
-              <a:buChar char="•"/>
-            </a:pPr>
-            <a:r>
-              <a:rPr lang="en-US" sz="2400" dirty="0" smtClean="0"/>
-              <a:t>Finding, Sharing, </a:t>
-            </a:r>
-            <a:r>
-              <a:rPr lang="en-US" sz="2400" dirty="0"/>
-              <a:t>&amp; Preserving Data</a:t>
-            </a:r>
-          </a:p>
-          <a:p>
-            <a:pPr lvl="1">
-              <a:buFont typeface="Arial" panose="020B0604020202020204" pitchFamily="34" charset="0"/>
-              <a:buChar char="•"/>
-            </a:pPr>
-            <a:r>
-              <a:rPr lang="en-US" sz="2400" dirty="0"/>
-              <a:t>Geospatial Visualizations &amp; Maps for Publication</a:t>
-            </a:r>
-          </a:p>
-          <a:p>
-            <a:pPr lvl="1">
-              <a:buFont typeface="Arial" panose="020B0604020202020204" pitchFamily="34" charset="0"/>
-              <a:buChar char="•"/>
-            </a:pPr>
-            <a:r>
-              <a:rPr lang="en-US" sz="2400" b="1" dirty="0"/>
-              <a:t>GIS Drop-In Hours: Wednesdays 2:00-4:00 Shields Map </a:t>
-            </a:r>
-            <a:r>
-              <a:rPr lang="en-US" sz="2400" b="1" dirty="0" smtClean="0"/>
-              <a:t>Room</a:t>
-            </a:r>
-          </a:p>
-          <a:p>
-            <a:pPr lvl="1">
-              <a:buFont typeface="Arial" panose="020B0604020202020204" pitchFamily="34" charset="0"/>
-              <a:buChar char="•"/>
-            </a:pPr>
-            <a:r>
-              <a:rPr lang="en-US" sz="2400" b="1" dirty="0" smtClean="0"/>
-              <a:t>Data Management </a:t>
-            </a:r>
-            <a:r>
-              <a:rPr lang="en-US" sz="2400" b="1" dirty="0"/>
-              <a:t>Drop-In Hours: Wednesdays </a:t>
-            </a:r>
-            <a:r>
-              <a:rPr lang="en-US" sz="2400" b="1" dirty="0" smtClean="0"/>
-              <a:t>2:00-4:00 DSI Classroom</a:t>
-            </a:r>
-            <a:endParaRPr lang="en-US" sz="2400" b="1" dirty="0"/>
-          </a:p>
-          <a:p>
-            <a:pPr marL="0" indent="0">
-              <a:buNone/>
-            </a:pPr>
-            <a:endParaRPr lang="en-US" dirty="0" smtClean="0"/>
-          </a:p>
-          <a:p>
-            <a:pPr marL="0" indent="0">
-              <a:buNone/>
-            </a:pPr>
-            <a:r>
-              <a:rPr lang="en-US" dirty="0" smtClean="0"/>
-              <a:t>Visit </a:t>
-            </a:r>
-            <a:r>
-              <a:rPr lang="en-US" dirty="0"/>
-              <a:t>us online: </a:t>
-            </a:r>
-            <a:r>
-              <a:rPr lang="en-US" dirty="0">
-                <a:hlinkClick r:id="rId2"/>
+            <a:pPr algn="ctr"/>
+            <a:r>
+              <a:rPr lang="en-US" sz="5400" dirty="0" smtClean="0">
+                <a:latin typeface="Comfortaa" panose="00000500000000000000" pitchFamily="2" charset="0"/>
               </a:rPr>
-              <a:t>http://data.ucdavis.edu</a:t>
-            </a:r>
-            <a:endParaRPr lang="en-US" dirty="0"/>
-          </a:p>
-          <a:p>
-            <a:endParaRPr lang="en-US" dirty="0"/>
+              <a:t>Find + Manage + Share Data</a:t>
+            </a:r>
+            <a:endParaRPr lang="en-US" sz="5400" dirty="0">
+              <a:latin typeface="Comfortaa" panose="00000500000000000000" pitchFamily="2" charset="0"/>
+            </a:endParaRPr>
           </a:p>
         </p:txBody>
       </p:sp>
     </p:spTree>
     <p:extLst>
       <p:ext uri="{BB962C8B-B14F-4D97-AF65-F5344CB8AC3E}">
-        <p14:creationId xmlns:p14="http://schemas.microsoft.com/office/powerpoint/2010/main" val="634990377"/>
+        <p14:creationId xmlns:p14="http://schemas.microsoft.com/office/powerpoint/2010/main" val="3925287725"/>
       </p:ext>
     </p:extLst>
   </p:cSld>
@@ -7503,43 +7516,156 @@
         </p:nvSpPr>
         <p:spPr/>
         <p:txBody>
-          <a:bodyPr/>
+          <a:bodyPr>
+            <a:normAutofit/>
+          </a:bodyPr>
           <a:lstStyle/>
           <a:p>
             <a:r>
+              <a:rPr lang="en-US" b="1" dirty="0" smtClean="0"/>
+              <a:t>Data </a:t>
+            </a:r>
+            <a:r>
+              <a:rPr lang="en-US" b="1" dirty="0"/>
+              <a:t>Management </a:t>
+            </a:r>
+            <a:r>
+              <a:rPr lang="en-US" b="1" dirty="0" smtClean="0"/>
+              <a:t>Program Services</a:t>
+            </a:r>
+            <a:endParaRPr lang="en-US" dirty="0"/>
+          </a:p>
+        </p:txBody>
+      </p:sp>
+      <p:sp>
+        <p:nvSpPr>
+          <p:cNvPr id="5" name="Content Placeholder 4"/>
+          <p:cNvSpPr>
+            <a:spLocks noGrp="1"/>
+          </p:cNvSpPr>
+          <p:nvPr>
+            <p:ph idx="1"/>
+          </p:nvPr>
+        </p:nvSpPr>
+        <p:spPr>
+          <a:xfrm>
+            <a:off x="818712" y="2222287"/>
+            <a:ext cx="10554574" cy="4369706"/>
+          </a:xfrm>
+        </p:spPr>
+        <p:txBody>
+          <a:bodyPr>
+            <a:normAutofit/>
+          </a:bodyPr>
+          <a:lstStyle/>
+          <a:p>
+            <a:pPr lvl="1">
+              <a:buFont typeface="Arial" panose="020B0604020202020204" pitchFamily="34" charset="0"/>
+              <a:buChar char="•"/>
+            </a:pPr>
+            <a:r>
+              <a:rPr lang="en-US" sz="2400" dirty="0" smtClean="0"/>
+              <a:t>Data </a:t>
+            </a:r>
+            <a:r>
+              <a:rPr lang="en-US" sz="2400" dirty="0"/>
+              <a:t>Management Plans</a:t>
+            </a:r>
+          </a:p>
+          <a:p>
+            <a:pPr lvl="1">
+              <a:buFont typeface="Arial" panose="020B0604020202020204" pitchFamily="34" charset="0"/>
+              <a:buChar char="•"/>
+            </a:pPr>
+            <a:r>
+              <a:rPr lang="en-US" sz="2400" dirty="0"/>
+              <a:t>Metadata &amp; Describing Data</a:t>
+            </a:r>
+          </a:p>
+          <a:p>
+            <a:pPr lvl="1">
+              <a:buFont typeface="Arial" panose="020B0604020202020204" pitchFamily="34" charset="0"/>
+              <a:buChar char="•"/>
+            </a:pPr>
+            <a:r>
+              <a:rPr lang="en-US" sz="2400" dirty="0" smtClean="0"/>
+              <a:t>Finding, Sharing, </a:t>
+            </a:r>
+            <a:r>
+              <a:rPr lang="en-US" sz="2400" dirty="0"/>
+              <a:t>&amp; Preserving Data</a:t>
+            </a:r>
+          </a:p>
+          <a:p>
+            <a:pPr lvl="1">
+              <a:buFont typeface="Arial" panose="020B0604020202020204" pitchFamily="34" charset="0"/>
+              <a:buChar char="•"/>
+            </a:pPr>
+            <a:r>
+              <a:rPr lang="en-US" sz="2400" dirty="0"/>
+              <a:t>Geospatial Visualizations &amp; Maps for Publication</a:t>
+            </a:r>
+          </a:p>
+          <a:p>
+            <a:pPr lvl="1">
+              <a:buFont typeface="Arial" panose="020B0604020202020204" pitchFamily="34" charset="0"/>
+              <a:buChar char="•"/>
+            </a:pPr>
+            <a:r>
+              <a:rPr lang="en-US" sz="2400" b="1" dirty="0"/>
+              <a:t>GIS Drop-In Hours: Wednesdays 2:00-4:00 Shields Map </a:t>
+            </a:r>
+            <a:r>
+              <a:rPr lang="en-US" sz="2400" b="1" dirty="0" smtClean="0"/>
+              <a:t>Room</a:t>
+            </a:r>
+          </a:p>
+          <a:p>
+            <a:pPr lvl="1">
+              <a:buFont typeface="Arial" panose="020B0604020202020204" pitchFamily="34" charset="0"/>
+              <a:buChar char="•"/>
+            </a:pPr>
+            <a:r>
+              <a:rPr lang="en-US" sz="2400" b="1" dirty="0" smtClean="0"/>
+              <a:t>Data Management </a:t>
+            </a:r>
+            <a:r>
+              <a:rPr lang="en-US" sz="2400" b="1" dirty="0"/>
+              <a:t>Drop-In Hours: Wednesdays </a:t>
+            </a:r>
+            <a:r>
+              <a:rPr lang="en-US" sz="2400" b="1" dirty="0" smtClean="0"/>
+              <a:t>2:00-4:00 DSI Classroom</a:t>
+            </a:r>
+            <a:endParaRPr lang="en-US" sz="2400" b="1" dirty="0"/>
+          </a:p>
+          <a:p>
+            <a:pPr marL="0" indent="0">
+              <a:buNone/>
+            </a:pPr>
+            <a:endParaRPr lang="en-US" dirty="0" smtClean="0"/>
+          </a:p>
+          <a:p>
+            <a:pPr marL="0" indent="0">
+              <a:buNone/>
+            </a:pPr>
+            <a:r>
               <a:rPr lang="en-US" dirty="0" smtClean="0"/>
-              <a:t>About the </a:t>
-            </a:r>
-            <a:br>
-              <a:rPr lang="en-US" dirty="0" smtClean="0"/>
-            </a:br>
-            <a:r>
-              <a:rPr lang="en-US" dirty="0" smtClean="0"/>
-              <a:t>Center for Spatial Sciences</a:t>
-            </a:r>
-            <a:endParaRPr lang="en-US" dirty="0"/>
-          </a:p>
-        </p:txBody>
-      </p:sp>
-      <p:sp>
-        <p:nvSpPr>
-          <p:cNvPr id="5" name="Text Placeholder 4"/>
-          <p:cNvSpPr>
-            <a:spLocks noGrp="1"/>
-          </p:cNvSpPr>
-          <p:nvPr>
-            <p:ph type="body" idx="1"/>
-          </p:nvPr>
-        </p:nvSpPr>
-        <p:spPr/>
-        <p:txBody>
-          <a:bodyPr/>
-          <a:lstStyle/>
-          <a:p>
-            <a:r>
-              <a:rPr lang="en-US" dirty="0" smtClean="0"/>
-              <a:t>How can we help you?</a:t>
-            </a:r>
+              <a:t>Visit </a:t>
+            </a:r>
+            <a:r>
+              <a:rPr lang="en-US" dirty="0"/>
+              <a:t>us online: </a:t>
+            </a:r>
+            <a:r>
+              <a:rPr lang="en-US" dirty="0">
+                <a:hlinkClick r:id="rId2"/>
+              </a:rPr>
+              <a:t>http://data.ucdavis.edu</a:t>
+            </a:r>
+            <a:endParaRPr lang="en-US" dirty="0"/>
+          </a:p>
+          <a:p>
             <a:endParaRPr lang="en-US" dirty="0"/>
           </a:p>
         </p:txBody>
@@ -7547,7 +7673,7 @@
     </p:spTree>
     <p:extLst>
       <p:ext uri="{BB962C8B-B14F-4D97-AF65-F5344CB8AC3E}">
-        <p14:creationId xmlns:p14="http://schemas.microsoft.com/office/powerpoint/2010/main" val="3066664683"/>
+        <p14:creationId xmlns:p14="http://schemas.microsoft.com/office/powerpoint/2010/main" val="634990377"/>
       </p:ext>
     </p:extLst>
   </p:cSld>
